--- a/лекции/Лекция2. Программирование на языке С (продолжение).pptx
+++ b/лекции/Лекция2. Программирование на языке С (продолжение).pptx
@@ -13,12 +13,12 @@
     <p:sldId id="259" r:id="rId4"/>
     <p:sldId id="299" r:id="rId5"/>
     <p:sldId id="300" r:id="rId6"/>
-    <p:sldId id="301" r:id="rId7"/>
-    <p:sldId id="302" r:id="rId8"/>
-    <p:sldId id="303" r:id="rId9"/>
-    <p:sldId id="256" r:id="rId10"/>
-    <p:sldId id="260" r:id="rId11"/>
-    <p:sldId id="266" r:id="rId12"/>
+    <p:sldId id="302" r:id="rId7"/>
+    <p:sldId id="303" r:id="rId8"/>
+    <p:sldId id="256" r:id="rId9"/>
+    <p:sldId id="260" r:id="rId10"/>
+    <p:sldId id="266" r:id="rId11"/>
+    <p:sldId id="305" r:id="rId12"/>
     <p:sldId id="267" r:id="rId13"/>
     <p:sldId id="261" r:id="rId14"/>
     <p:sldId id="262" r:id="rId15"/>
@@ -244,7 +244,7 @@
           <a:p>
             <a:fld id="{010C9BF2-F90C-46BF-82A4-6A9E3963D182}" type="datetimeFigureOut">
               <a:rPr lang="ru-RU" smtClean="0"/>
-              <a:t>08.10.2016</a:t>
+              <a:t>21.10.2017</a:t>
             </a:fld>
             <a:endParaRPr lang="ru-RU"/>
           </a:p>
@@ -2553,7 +2553,7 @@
           <a:p>
             <a:fld id="{2F5E51FF-C17A-4148-A3A9-2EB54F9E11CA}" type="datetimeFigureOut">
               <a:rPr lang="ru-RU" smtClean="0"/>
-              <a:t>08.10.2016</a:t>
+              <a:t>21.10.2017</a:t>
             </a:fld>
             <a:endParaRPr lang="ru-RU"/>
           </a:p>
@@ -2828,7 +2828,7 @@
           <a:p>
             <a:fld id="{2F5E51FF-C17A-4148-A3A9-2EB54F9E11CA}" type="datetimeFigureOut">
               <a:rPr lang="ru-RU" smtClean="0"/>
-              <a:t>08.10.2016</a:t>
+              <a:t>21.10.2017</a:t>
             </a:fld>
             <a:endParaRPr lang="ru-RU"/>
           </a:p>
@@ -3022,7 +3022,7 @@
           <a:p>
             <a:fld id="{2F5E51FF-C17A-4148-A3A9-2EB54F9E11CA}" type="datetimeFigureOut">
               <a:rPr lang="ru-RU" smtClean="0"/>
-              <a:t>08.10.2016</a:t>
+              <a:t>21.10.2017</a:t>
             </a:fld>
             <a:endParaRPr lang="ru-RU"/>
           </a:p>
@@ -3295,7 +3295,7 @@
           <a:p>
             <a:fld id="{2F5E51FF-C17A-4148-A3A9-2EB54F9E11CA}" type="datetimeFigureOut">
               <a:rPr lang="ru-RU" smtClean="0"/>
-              <a:t>08.10.2016</a:t>
+              <a:t>21.10.2017</a:t>
             </a:fld>
             <a:endParaRPr lang="ru-RU"/>
           </a:p>
@@ -3636,7 +3636,7 @@
           <a:p>
             <a:fld id="{2F5E51FF-C17A-4148-A3A9-2EB54F9E11CA}" type="datetimeFigureOut">
               <a:rPr lang="ru-RU" smtClean="0"/>
-              <a:t>08.10.2016</a:t>
+              <a:t>21.10.2017</a:t>
             </a:fld>
             <a:endParaRPr lang="ru-RU"/>
           </a:p>
@@ -4259,7 +4259,7 @@
           <a:p>
             <a:fld id="{2F5E51FF-C17A-4148-A3A9-2EB54F9E11CA}" type="datetimeFigureOut">
               <a:rPr lang="ru-RU" smtClean="0"/>
-              <a:t>08.10.2016</a:t>
+              <a:t>21.10.2017</a:t>
             </a:fld>
             <a:endParaRPr lang="ru-RU"/>
           </a:p>
@@ -5119,7 +5119,7 @@
           <a:p>
             <a:fld id="{2F5E51FF-C17A-4148-A3A9-2EB54F9E11CA}" type="datetimeFigureOut">
               <a:rPr lang="ru-RU" smtClean="0"/>
-              <a:t>08.10.2016</a:t>
+              <a:t>21.10.2017</a:t>
             </a:fld>
             <a:endParaRPr lang="ru-RU"/>
           </a:p>
@@ -5289,7 +5289,7 @@
           <a:p>
             <a:fld id="{2F5E51FF-C17A-4148-A3A9-2EB54F9E11CA}" type="datetimeFigureOut">
               <a:rPr lang="ru-RU" smtClean="0"/>
-              <a:t>08.10.2016</a:t>
+              <a:t>21.10.2017</a:t>
             </a:fld>
             <a:endParaRPr lang="ru-RU"/>
           </a:p>
@@ -5469,7 +5469,7 @@
           <a:p>
             <a:fld id="{2F5E51FF-C17A-4148-A3A9-2EB54F9E11CA}" type="datetimeFigureOut">
               <a:rPr lang="ru-RU" smtClean="0"/>
-              <a:t>08.10.2016</a:t>
+              <a:t>21.10.2017</a:t>
             </a:fld>
             <a:endParaRPr lang="ru-RU"/>
           </a:p>
@@ -5639,7 +5639,7 @@
           <a:p>
             <a:fld id="{2F5E51FF-C17A-4148-A3A9-2EB54F9E11CA}" type="datetimeFigureOut">
               <a:rPr lang="ru-RU" smtClean="0"/>
-              <a:t>08.10.2016</a:t>
+              <a:t>21.10.2017</a:t>
             </a:fld>
             <a:endParaRPr lang="ru-RU"/>
           </a:p>
@@ -5886,7 +5886,7 @@
           <a:p>
             <a:fld id="{2F5E51FF-C17A-4148-A3A9-2EB54F9E11CA}" type="datetimeFigureOut">
               <a:rPr lang="ru-RU" smtClean="0"/>
-              <a:t>08.10.2016</a:t>
+              <a:t>21.10.2017</a:t>
             </a:fld>
             <a:endParaRPr lang="ru-RU"/>
           </a:p>
@@ -6178,7 +6178,7 @@
           <a:p>
             <a:fld id="{2F5E51FF-C17A-4148-A3A9-2EB54F9E11CA}" type="datetimeFigureOut">
               <a:rPr lang="ru-RU" smtClean="0"/>
-              <a:t>08.10.2016</a:t>
+              <a:t>21.10.2017</a:t>
             </a:fld>
             <a:endParaRPr lang="ru-RU"/>
           </a:p>
@@ -6622,7 +6622,7 @@
           <a:p>
             <a:fld id="{2F5E51FF-C17A-4148-A3A9-2EB54F9E11CA}" type="datetimeFigureOut">
               <a:rPr lang="ru-RU" smtClean="0"/>
-              <a:t>08.10.2016</a:t>
+              <a:t>21.10.2017</a:t>
             </a:fld>
             <a:endParaRPr lang="ru-RU"/>
           </a:p>
@@ -6740,7 +6740,7 @@
           <a:p>
             <a:fld id="{2F5E51FF-C17A-4148-A3A9-2EB54F9E11CA}" type="datetimeFigureOut">
               <a:rPr lang="ru-RU" smtClean="0"/>
-              <a:t>08.10.2016</a:t>
+              <a:t>21.10.2017</a:t>
             </a:fld>
             <a:endParaRPr lang="ru-RU"/>
           </a:p>
@@ -6835,7 +6835,7 @@
           <a:p>
             <a:fld id="{2F5E51FF-C17A-4148-A3A9-2EB54F9E11CA}" type="datetimeFigureOut">
               <a:rPr lang="ru-RU" smtClean="0"/>
-              <a:t>08.10.2016</a:t>
+              <a:t>21.10.2017</a:t>
             </a:fld>
             <a:endParaRPr lang="ru-RU"/>
           </a:p>
@@ -7114,7 +7114,7 @@
           <a:p>
             <a:fld id="{2F5E51FF-C17A-4148-A3A9-2EB54F9E11CA}" type="datetimeFigureOut">
               <a:rPr lang="ru-RU" smtClean="0"/>
-              <a:t>08.10.2016</a:t>
+              <a:t>21.10.2017</a:t>
             </a:fld>
             <a:endParaRPr lang="ru-RU"/>
           </a:p>
@@ -7389,7 +7389,7 @@
           <a:p>
             <a:fld id="{2F5E51FF-C17A-4148-A3A9-2EB54F9E11CA}" type="datetimeFigureOut">
               <a:rPr lang="ru-RU" smtClean="0"/>
-              <a:t>08.10.2016</a:t>
+              <a:t>21.10.2017</a:t>
             </a:fld>
             <a:endParaRPr lang="ru-RU"/>
           </a:p>
@@ -7818,7 +7818,7 @@
           <a:p>
             <a:fld id="{2F5E51FF-C17A-4148-A3A9-2EB54F9E11CA}" type="datetimeFigureOut">
               <a:rPr lang="ru-RU" smtClean="0"/>
-              <a:t>08.10.2016</a:t>
+              <a:t>21.10.2017</a:t>
             </a:fld>
             <a:endParaRPr lang="ru-RU"/>
           </a:p>
@@ -8491,20 +8491,59 @@
           <a:lstStyle/>
           <a:p>
             <a:r>
-              <a:rPr lang="ru-RU" sz="3200" dirty="0"/>
-              <a:t>Типы литералов и целочисленное </a:t>
-            </a:r>
-            <a:r>
               <a:rPr lang="ru-RU" sz="3200" dirty="0" smtClean="0"/>
-              <a:t>деление</a:t>
+              <a:t>Константы</a:t>
             </a:r>
             <a:endParaRPr lang="ru-RU" sz="3200" dirty="0"/>
+          </a:p>
+        </p:txBody>
+      </p:sp>
+      <p:sp>
+        <p:nvSpPr>
+          <p:cNvPr id="3" name="TextBox 2"/>
+          <p:cNvSpPr txBox="1"/>
+          <p:nvPr/>
+        </p:nvSpPr>
+        <p:spPr>
+          <a:xfrm>
+            <a:off x="646111" y="1292087"/>
+            <a:ext cx="9680647" cy="1477328"/>
+          </a:xfrm>
+          <a:prstGeom prst="rect">
+            <a:avLst/>
+          </a:prstGeom>
+          <a:noFill/>
+        </p:spPr>
+        <p:txBody>
+          <a:bodyPr wrap="square" rtlCol="0">
+            <a:spAutoFit/>
+          </a:bodyPr>
+          <a:lstStyle/>
+          <a:p>
+            <a:r>
+              <a:rPr lang="ru-RU" dirty="0" smtClean="0"/>
+              <a:t>Константа ничем не отличается от обычной переменной, кроме того, что она должна быть инициализированна при определении и ей нельзя присводить значение.</a:t>
+            </a:r>
+          </a:p>
+          <a:p>
+            <a:endParaRPr lang="ru-RU" dirty="0" smtClean="0"/>
+          </a:p>
+          <a:p>
+            <a:r>
+              <a:rPr lang="ru-RU" dirty="0" smtClean="0"/>
+              <a:t>Чтобы сделать переменную константой нужно использвать модификатор </a:t>
+            </a:r>
+            <a:r>
+              <a:rPr lang="en-US" b="1" dirty="0" err="1" smtClean="0"/>
+              <a:t>const</a:t>
+            </a:r>
+            <a:endParaRPr lang="ru-RU" b="1" dirty="0"/>
           </a:p>
         </p:txBody>
       </p:sp>
       <p:pic>
         <p:nvPicPr>
-          <p:cNvPr id="6" name="Picture 5"/>
+          <p:cNvPr id="4" name="Picture 3"/>
           <p:cNvPicPr>
             <a:picLocks noChangeAspect="1"/>
           </p:cNvPicPr>
@@ -8518,100 +8557,18 @@
         </p:blipFill>
         <p:spPr>
           <a:xfrm>
-            <a:off x="236262" y="1157079"/>
-            <a:ext cx="7318432" cy="4011269"/>
+            <a:off x="646111" y="2903467"/>
+            <a:ext cx="10112218" cy="3298549"/>
           </a:xfrm>
           <a:prstGeom prst="rect">
             <a:avLst/>
           </a:prstGeom>
         </p:spPr>
       </p:pic>
-      <p:pic>
-        <p:nvPicPr>
-          <p:cNvPr id="7" name="Picture 6"/>
-          <p:cNvPicPr>
-            <a:picLocks noChangeAspect="1"/>
-          </p:cNvPicPr>
-          <p:nvPr/>
-        </p:nvPicPr>
-        <p:blipFill>
-          <a:blip r:embed="rId3"/>
-          <a:stretch>
-            <a:fillRect/>
-          </a:stretch>
-        </p:blipFill>
-        <p:spPr>
-          <a:xfrm>
-            <a:off x="7820435" y="1157079"/>
-            <a:ext cx="3891999" cy="3891999"/>
-          </a:xfrm>
-          <a:prstGeom prst="rect">
-            <a:avLst/>
-          </a:prstGeom>
-        </p:spPr>
-      </p:pic>
-      <p:pic>
-        <p:nvPicPr>
-          <p:cNvPr id="3" name="Picture 2"/>
-          <p:cNvPicPr>
-            <a:picLocks noChangeAspect="1"/>
-          </p:cNvPicPr>
-          <p:nvPr/>
-        </p:nvPicPr>
-        <p:blipFill>
-          <a:blip r:embed="rId4"/>
-          <a:stretch>
-            <a:fillRect/>
-          </a:stretch>
-        </p:blipFill>
-        <p:spPr>
-          <a:xfrm>
-            <a:off x="236261" y="5469213"/>
-            <a:ext cx="3976797" cy="971344"/>
-          </a:xfrm>
-          <a:prstGeom prst="rect">
-            <a:avLst/>
-          </a:prstGeom>
-        </p:spPr>
-      </p:pic>
-      <p:sp>
-        <p:nvSpPr>
-          <p:cNvPr id="4" name="TextBox 3"/>
-          <p:cNvSpPr txBox="1"/>
-          <p:nvPr/>
-        </p:nvSpPr>
-        <p:spPr>
-          <a:xfrm>
-            <a:off x="4701209" y="5770219"/>
-            <a:ext cx="2861681" cy="369332"/>
-          </a:xfrm>
-          <a:prstGeom prst="rect">
-            <a:avLst/>
-          </a:prstGeom>
-          <a:noFill/>
-        </p:spPr>
-        <p:txBody>
-          <a:bodyPr wrap="none" rtlCol="0">
-            <a:spAutoFit/>
-          </a:bodyPr>
-          <a:lstStyle/>
-          <a:p>
-            <a:r>
-              <a:rPr lang="en-US" dirty="0" smtClean="0"/>
-              <a:t>&lt;- </a:t>
-            </a:r>
-            <a:r>
-              <a:rPr lang="ru-RU" dirty="0" smtClean="0"/>
-              <a:t>строковые литералы</a:t>
-            </a:r>
-            <a:endParaRPr lang="ru-RU" dirty="0"/>
-          </a:p>
-        </p:txBody>
-      </p:sp>
     </p:spTree>
     <p:extLst>
       <p:ext uri="{BB962C8B-B14F-4D97-AF65-F5344CB8AC3E}">
-        <p14:creationId xmlns:p14="http://schemas.microsoft.com/office/powerpoint/2010/main" val="181386863"/>
+        <p14:creationId xmlns:p14="http://schemas.microsoft.com/office/powerpoint/2010/main" val="2201972192"/>
       </p:ext>
     </p:extLst>
   </p:cSld>
@@ -8667,7 +8624,7 @@
           <a:p>
             <a:r>
               <a:rPr lang="ru-RU" sz="3200" dirty="0" smtClean="0"/>
-              <a:t>Константы</a:t>
+              <a:t>Прочие модификаторы	</a:t>
             </a:r>
             <a:endParaRPr lang="ru-RU" sz="3200" dirty="0"/>
           </a:p>
@@ -8682,7 +8639,7 @@
         <p:spPr>
           <a:xfrm>
             <a:off x="646111" y="1292087"/>
-            <a:ext cx="9680647" cy="1477328"/>
+            <a:ext cx="9680647" cy="369332"/>
           </a:xfrm>
           <a:prstGeom prst="rect">
             <a:avLst/>
@@ -8696,54 +8653,17 @@
           <a:lstStyle/>
           <a:p>
             <a:r>
-              <a:rPr lang="ru-RU" dirty="0" smtClean="0"/>
-              <a:t>Константа ничем не отличается от обычной переменной, кроме того, что она должна быть инициализированна при определении и ей нельзя присводить значение.</a:t>
-            </a:r>
-          </a:p>
-          <a:p>
-            <a:endParaRPr lang="ru-RU" dirty="0" smtClean="0"/>
-          </a:p>
-          <a:p>
-            <a:r>
-              <a:rPr lang="ru-RU" dirty="0" smtClean="0"/>
-              <a:t>Чтобы сделать переменную константой нужно использвать модификатор </a:t>
-            </a:r>
-            <a:r>
-              <a:rPr lang="en-US" b="1" dirty="0" err="1" smtClean="0"/>
-              <a:t>const</a:t>
+              <a:rPr lang="en-US" dirty="0" smtClean="0"/>
+              <a:t>Static, volatile</a:t>
             </a:r>
             <a:endParaRPr lang="ru-RU" b="1" dirty="0"/>
           </a:p>
         </p:txBody>
       </p:sp>
-      <p:pic>
-        <p:nvPicPr>
-          <p:cNvPr id="4" name="Picture 3"/>
-          <p:cNvPicPr>
-            <a:picLocks noChangeAspect="1"/>
-          </p:cNvPicPr>
-          <p:nvPr/>
-        </p:nvPicPr>
-        <p:blipFill>
-          <a:blip r:embed="rId2"/>
-          <a:stretch>
-            <a:fillRect/>
-          </a:stretch>
-        </p:blipFill>
-        <p:spPr>
-          <a:xfrm>
-            <a:off x="646111" y="2903467"/>
-            <a:ext cx="10112218" cy="3298549"/>
-          </a:xfrm>
-          <a:prstGeom prst="rect">
-            <a:avLst/>
-          </a:prstGeom>
-        </p:spPr>
-      </p:pic>
     </p:spTree>
     <p:extLst>
       <p:ext uri="{BB962C8B-B14F-4D97-AF65-F5344CB8AC3E}">
-        <p14:creationId xmlns:p14="http://schemas.microsoft.com/office/powerpoint/2010/main" val="2201972192"/>
+        <p14:creationId xmlns:p14="http://schemas.microsoft.com/office/powerpoint/2010/main" val="704327251"/>
       </p:ext>
     </p:extLst>
   </p:cSld>
@@ -10931,6 +10851,36 @@
           </a:prstGeom>
         </p:spPr>
       </p:pic>
+      <p:sp>
+        <p:nvSpPr>
+          <p:cNvPr id="6" name="TextBox 5"/>
+          <p:cNvSpPr txBox="1"/>
+          <p:nvPr/>
+        </p:nvSpPr>
+        <p:spPr>
+          <a:xfrm>
+            <a:off x="646111" y="5470498"/>
+            <a:ext cx="8448261" cy="369332"/>
+          </a:xfrm>
+          <a:prstGeom prst="rect">
+            <a:avLst/>
+          </a:prstGeom>
+          <a:noFill/>
+        </p:spPr>
+        <p:txBody>
+          <a:bodyPr wrap="square" rtlCol="0">
+            <a:spAutoFit/>
+          </a:bodyPr>
+          <a:lstStyle/>
+          <a:p>
+            <a:r>
+              <a:rPr lang="ru-RU" dirty="0" smtClean="0"/>
+              <a:t>Одиночные символы указываются в одинарных кавычках</a:t>
+            </a:r>
+            <a:endParaRPr lang="ru-RU" dirty="0"/>
+          </a:p>
+        </p:txBody>
+      </p:sp>
     </p:spTree>
     <p:extLst>
       <p:ext uri="{BB962C8B-B14F-4D97-AF65-F5344CB8AC3E}">
@@ -20244,7 +20194,7 @@
         </p:nvSpPr>
         <p:spPr>
           <a:xfrm>
-            <a:off x="646111" y="1730355"/>
+            <a:off x="652342" y="1693473"/>
             <a:ext cx="10684565" cy="3416320"/>
           </a:xfrm>
           <a:prstGeom prst="rect">
@@ -25811,7 +25761,7 @@
         <p:spPr>
           <a:xfrm>
             <a:off x="646111" y="1161766"/>
-            <a:ext cx="7718780" cy="369332"/>
+            <a:ext cx="4759636" cy="369332"/>
           </a:xfrm>
           <a:prstGeom prst="rect">
             <a:avLst/>
@@ -25826,298 +25776,40 @@
           <a:p>
             <a:r>
               <a:rPr lang="ru-RU" dirty="0" smtClean="0"/>
-              <a:t>Краткий (очень краткий) справочник по стандартной библиотеке</a:t>
+              <a:t>Пояснения к символам и строкам в Си</a:t>
             </a:r>
             <a:endParaRPr lang="ru-RU" dirty="0"/>
           </a:p>
         </p:txBody>
       </p:sp>
-      <p:sp>
-        <p:nvSpPr>
-          <p:cNvPr id="9" name="Rectangle 8"/>
-          <p:cNvSpPr/>
+      <p:pic>
+        <p:nvPicPr>
+          <p:cNvPr id="5" name="Picture 4"/>
+          <p:cNvPicPr>
+            <a:picLocks noChangeAspect="1"/>
+          </p:cNvPicPr>
           <p:nvPr/>
-        </p:nvSpPr>
+        </p:nvPicPr>
+        <p:blipFill>
+          <a:blip r:embed="rId2"/>
+          <a:stretch>
+            <a:fillRect/>
+          </a:stretch>
+        </p:blipFill>
         <p:spPr>
           <a:xfrm>
-            <a:off x="646111" y="1665417"/>
-            <a:ext cx="10684565" cy="3539430"/>
+            <a:off x="646111" y="1639316"/>
+            <a:ext cx="8885515" cy="3746458"/>
           </a:xfrm>
           <a:prstGeom prst="rect">
             <a:avLst/>
           </a:prstGeom>
         </p:spPr>
-        <p:txBody>
-          <a:bodyPr wrap="square">
-            <a:spAutoFit/>
-          </a:bodyPr>
-          <a:lstStyle/>
-          <a:p>
-            <a:r>
-              <a:rPr lang="ru-RU" sz="1400" b="1" dirty="0">
-                <a:latin typeface="Consolas" panose="020B0609020204030204" pitchFamily="49" charset="0"/>
-                <a:cs typeface="Consolas" panose="020B0609020204030204" pitchFamily="49" charset="0"/>
-              </a:rPr>
-              <a:t>&lt;stdbool.h&gt;</a:t>
-            </a:r>
-            <a:r>
-              <a:rPr lang="ru-RU" sz="1400" dirty="0">
-                <a:latin typeface="Consolas" panose="020B0609020204030204" pitchFamily="49" charset="0"/>
-                <a:cs typeface="Consolas" panose="020B0609020204030204" pitchFamily="49" charset="0"/>
-              </a:rPr>
-              <a:t>     Для булевых типов данных. (Появилось в C99)</a:t>
-            </a:r>
-          </a:p>
-          <a:p>
-            <a:r>
-              <a:rPr lang="ru-RU" sz="1400" b="1" dirty="0">
-                <a:latin typeface="Consolas" panose="020B0609020204030204" pitchFamily="49" charset="0"/>
-                <a:cs typeface="Consolas" panose="020B0609020204030204" pitchFamily="49" charset="0"/>
-              </a:rPr>
-              <a:t>&lt;float.h&gt;</a:t>
-            </a:r>
-            <a:r>
-              <a:rPr lang="ru-RU" sz="1400" dirty="0">
-                <a:latin typeface="Consolas" panose="020B0609020204030204" pitchFamily="49" charset="0"/>
-                <a:cs typeface="Consolas" panose="020B0609020204030204" pitchFamily="49" charset="0"/>
-              </a:rPr>
-              <a:t>       Содержит заранее определенные константы, описывающие специфику реализации свойств библиотеки для работы с числами с плавающей точкой, как, например, минимальная </a:t>
-            </a:r>
-            <a:endParaRPr lang="ru-RU" sz="1400" dirty="0" smtClean="0">
-              <a:latin typeface="Consolas" panose="020B0609020204030204" pitchFamily="49" charset="0"/>
-              <a:cs typeface="Consolas" panose="020B0609020204030204" pitchFamily="49" charset="0"/>
-            </a:endParaRPr>
-          </a:p>
-          <a:p>
-            <a:endParaRPr lang="ru-RU" sz="1400" dirty="0">
-              <a:latin typeface="Consolas" panose="020B0609020204030204" pitchFamily="49" charset="0"/>
-              <a:cs typeface="Consolas" panose="020B0609020204030204" pitchFamily="49" charset="0"/>
-            </a:endParaRPr>
-          </a:p>
-          <a:p>
-            <a:r>
-              <a:rPr lang="ru-RU" sz="1400" b="1" dirty="0" smtClean="0">
-                <a:latin typeface="Consolas" panose="020B0609020204030204" pitchFamily="49" charset="0"/>
-                <a:cs typeface="Consolas" panose="020B0609020204030204" pitchFamily="49" charset="0"/>
-              </a:rPr>
-              <a:t>&lt;</a:t>
-            </a:r>
-            <a:r>
-              <a:rPr lang="ru-RU" sz="1400" b="1" dirty="0">
-                <a:latin typeface="Consolas" panose="020B0609020204030204" pitchFamily="49" charset="0"/>
-                <a:cs typeface="Consolas" panose="020B0609020204030204" pitchFamily="49" charset="0"/>
-              </a:rPr>
-              <a:t>stdint.h&gt;</a:t>
-            </a:r>
-            <a:r>
-              <a:rPr lang="ru-RU" sz="1400" dirty="0">
-                <a:latin typeface="Consolas" panose="020B0609020204030204" pitchFamily="49" charset="0"/>
-                <a:cs typeface="Consolas" panose="020B0609020204030204" pitchFamily="49" charset="0"/>
-              </a:rPr>
-              <a:t>      Для определения различных типов целых чисел. (Появилось в C99)</a:t>
-            </a:r>
-          </a:p>
-          <a:p>
-            <a:r>
-              <a:rPr lang="ru-RU" sz="1400" b="1" dirty="0">
-                <a:latin typeface="Consolas" panose="020B0609020204030204" pitchFamily="49" charset="0"/>
-                <a:cs typeface="Consolas" panose="020B0609020204030204" pitchFamily="49" charset="0"/>
-              </a:rPr>
-              <a:t>&lt;stddef.h&gt;</a:t>
-            </a:r>
-            <a:r>
-              <a:rPr lang="ru-RU" sz="1400" dirty="0">
-                <a:latin typeface="Consolas" panose="020B0609020204030204" pitchFamily="49" charset="0"/>
-                <a:cs typeface="Consolas" panose="020B0609020204030204" pitchFamily="49" charset="0"/>
-              </a:rPr>
-              <a:t>      Для определения нескольких стандартных типов и макросов.</a:t>
-            </a:r>
-          </a:p>
-          <a:p>
-            <a:r>
-              <a:rPr lang="ru-RU" sz="1400" b="1" dirty="0">
-                <a:latin typeface="Consolas" panose="020B0609020204030204" pitchFamily="49" charset="0"/>
-                <a:cs typeface="Consolas" panose="020B0609020204030204" pitchFamily="49" charset="0"/>
-              </a:rPr>
-              <a:t>&lt;stdio.h&gt;</a:t>
-            </a:r>
-            <a:r>
-              <a:rPr lang="ru-RU" sz="1400" dirty="0">
-                <a:latin typeface="Consolas" panose="020B0609020204030204" pitchFamily="49" charset="0"/>
-                <a:cs typeface="Consolas" panose="020B0609020204030204" pitchFamily="49" charset="0"/>
-              </a:rPr>
-              <a:t>       Реализует основные возможности ввода и вывода в языке Си. Этот файл содержит весьма важную функцию printf</a:t>
-            </a:r>
-            <a:r>
-              <a:rPr lang="ru-RU" sz="1400" dirty="0" smtClean="0">
-                <a:latin typeface="Consolas" panose="020B0609020204030204" pitchFamily="49" charset="0"/>
-                <a:cs typeface="Consolas" panose="020B0609020204030204" pitchFamily="49" charset="0"/>
-              </a:rPr>
-              <a:t>.</a:t>
-            </a:r>
-          </a:p>
-          <a:p>
-            <a:endParaRPr lang="ru-RU" sz="1400" dirty="0">
-              <a:latin typeface="Consolas" panose="020B0609020204030204" pitchFamily="49" charset="0"/>
-              <a:cs typeface="Consolas" panose="020B0609020204030204" pitchFamily="49" charset="0"/>
-            </a:endParaRPr>
-          </a:p>
-          <a:p>
-            <a:r>
-              <a:rPr lang="ru-RU" sz="1400" b="1" dirty="0">
-                <a:latin typeface="Consolas" panose="020B0609020204030204" pitchFamily="49" charset="0"/>
-                <a:cs typeface="Consolas" panose="020B0609020204030204" pitchFamily="49" charset="0"/>
-              </a:rPr>
-              <a:t>&lt;stdlib.h&gt;</a:t>
-            </a:r>
-            <a:r>
-              <a:rPr lang="ru-RU" sz="1400" dirty="0">
-                <a:latin typeface="Consolas" panose="020B0609020204030204" pitchFamily="49" charset="0"/>
-                <a:cs typeface="Consolas" panose="020B0609020204030204" pitchFamily="49" charset="0"/>
-              </a:rPr>
-              <a:t>      Для выполнения множества операций, включая конвертацию, генерацию псевдослучайных чисел, выделение памяти, контроль процессов, окружения, сигналов, поиска и сортировки</a:t>
-            </a:r>
-            <a:r>
-              <a:rPr lang="ru-RU" sz="1400" dirty="0" smtClean="0">
-                <a:latin typeface="Consolas" panose="020B0609020204030204" pitchFamily="49" charset="0"/>
-                <a:cs typeface="Consolas" panose="020B0609020204030204" pitchFamily="49" charset="0"/>
-              </a:rPr>
-              <a:t>.</a:t>
-            </a:r>
-          </a:p>
-          <a:p>
-            <a:endParaRPr lang="ru-RU" sz="1400" dirty="0">
-              <a:latin typeface="Consolas" panose="020B0609020204030204" pitchFamily="49" charset="0"/>
-              <a:cs typeface="Consolas" panose="020B0609020204030204" pitchFamily="49" charset="0"/>
-            </a:endParaRPr>
-          </a:p>
-          <a:p>
-            <a:r>
-              <a:rPr lang="ru-RU" sz="1400" b="1" dirty="0">
-                <a:latin typeface="Consolas" panose="020B0609020204030204" pitchFamily="49" charset="0"/>
-                <a:cs typeface="Consolas" panose="020B0609020204030204" pitchFamily="49" charset="0"/>
-              </a:rPr>
-              <a:t>&lt;string.h&gt;</a:t>
-            </a:r>
-            <a:r>
-              <a:rPr lang="ru-RU" sz="1400" dirty="0">
-                <a:latin typeface="Consolas" panose="020B0609020204030204" pitchFamily="49" charset="0"/>
-                <a:cs typeface="Consolas" panose="020B0609020204030204" pitchFamily="49" charset="0"/>
-              </a:rPr>
-              <a:t>      Для работы с различными видами строк.</a:t>
-            </a:r>
-          </a:p>
-          <a:p>
-            <a:r>
-              <a:rPr lang="ru-RU" sz="1400" b="1" dirty="0">
-                <a:latin typeface="Consolas" panose="020B0609020204030204" pitchFamily="49" charset="0"/>
-                <a:cs typeface="Consolas" panose="020B0609020204030204" pitchFamily="49" charset="0"/>
-              </a:rPr>
-              <a:t>&lt;math.h&gt;</a:t>
-            </a:r>
-            <a:r>
-              <a:rPr lang="ru-RU" sz="1400" dirty="0">
-                <a:latin typeface="Consolas" panose="020B0609020204030204" pitchFamily="49" charset="0"/>
-                <a:cs typeface="Consolas" panose="020B0609020204030204" pitchFamily="49" charset="0"/>
-              </a:rPr>
-              <a:t>        Для вычисления основных математических функций</a:t>
-            </a:r>
-          </a:p>
-          <a:p>
-            <a:r>
-              <a:rPr lang="ru-RU" sz="1400" b="1" dirty="0">
-                <a:latin typeface="Consolas" panose="020B0609020204030204" pitchFamily="49" charset="0"/>
-                <a:cs typeface="Consolas" panose="020B0609020204030204" pitchFamily="49" charset="0"/>
-              </a:rPr>
-              <a:t>&lt;limits.h&gt;</a:t>
-            </a:r>
-            <a:r>
-              <a:rPr lang="ru-RU" sz="1400" dirty="0">
-                <a:latin typeface="Consolas" panose="020B0609020204030204" pitchFamily="49" charset="0"/>
-                <a:cs typeface="Consolas" panose="020B0609020204030204" pitchFamily="49" charset="0"/>
-              </a:rPr>
-              <a:t>      Содержит заранее заданные константы, определяющие специфику реализации свойств целых типов, как, например, область допустимых значений (_MIN, _MAX).</a:t>
-            </a:r>
-          </a:p>
-        </p:txBody>
-      </p:sp>
-      <p:sp>
-        <p:nvSpPr>
-          <p:cNvPr id="10" name="TextBox 9"/>
-          <p:cNvSpPr txBox="1"/>
-          <p:nvPr/>
-        </p:nvSpPr>
-        <p:spPr>
-          <a:xfrm>
-            <a:off x="420824" y="5559287"/>
-            <a:ext cx="10604185" cy="923330"/>
-          </a:xfrm>
-          <a:prstGeom prst="rect">
-            <a:avLst/>
-          </a:prstGeom>
-          <a:noFill/>
-        </p:spPr>
-        <p:txBody>
-          <a:bodyPr wrap="none" rtlCol="0">
-            <a:spAutoFit/>
-          </a:bodyPr>
-          <a:lstStyle/>
-          <a:p>
-            <a:r>
-              <a:rPr lang="ru-RU" dirty="0" smtClean="0"/>
-              <a:t>Снова – стандартная библиотека намного больше. Опять, много можно почесть на вики</a:t>
-            </a:r>
-            <a:r>
-              <a:rPr lang="en-US" dirty="0" smtClean="0"/>
-              <a:t>:</a:t>
-            </a:r>
-          </a:p>
-          <a:p>
-            <a:r>
-              <a:rPr lang="en-US" dirty="0" smtClean="0">
-                <a:hlinkClick r:id="rId2"/>
-              </a:rPr>
-              <a:t>https</a:t>
-            </a:r>
-            <a:r>
-              <a:rPr lang="en-US" dirty="0">
-                <a:hlinkClick r:id="rId2"/>
-              </a:rPr>
-              <a:t>://ru.wikipedia.org/wiki/</a:t>
-            </a:r>
-            <a:r>
-              <a:rPr lang="ru-RU" dirty="0" smtClean="0">
-                <a:hlinkClick r:id="rId2"/>
-              </a:rPr>
-              <a:t>Стандартная_библиотека_языка_Си</a:t>
-            </a:r>
-            <a:endParaRPr lang="ru-RU" dirty="0" smtClean="0"/>
-          </a:p>
-          <a:p>
-            <a:r>
-              <a:rPr lang="ru-RU" dirty="0" smtClean="0"/>
-              <a:t>а лучше тут </a:t>
-            </a:r>
-            <a:r>
-              <a:rPr lang="en-US" dirty="0">
-                <a:hlinkClick r:id="rId3"/>
-              </a:rPr>
-              <a:t>http://www.cplusplus.com/reference/clibrary</a:t>
-            </a:r>
-            <a:r>
-              <a:rPr lang="en-US" dirty="0" smtClean="0">
-                <a:hlinkClick r:id="rId3"/>
-              </a:rPr>
-              <a:t>/</a:t>
-            </a:r>
-            <a:endParaRPr lang="ru-RU" dirty="0" smtClean="0"/>
-          </a:p>
-        </p:txBody>
-      </p:sp>
+      </p:pic>
     </p:spTree>
     <p:extLst>
       <p:ext uri="{BB962C8B-B14F-4D97-AF65-F5344CB8AC3E}">
-        <p14:creationId xmlns:p14="http://schemas.microsoft.com/office/powerpoint/2010/main" val="2028180744"/>
+        <p14:creationId xmlns:p14="http://schemas.microsoft.com/office/powerpoint/2010/main" val="3842959924"/>
       </p:ext>
     </p:extLst>
   </p:cSld>
@@ -26179,21 +25871,62 @@
           </a:p>
         </p:txBody>
       </p:sp>
-      <p:sp>
-        <p:nvSpPr>
-          <p:cNvPr id="4" name="TextBox 3"/>
-          <p:cNvSpPr txBox="1"/>
+      <p:pic>
+        <p:nvPicPr>
+          <p:cNvPr id="1026" name="Picture 2" descr="http://liomas.gr/external/eclass-images/Domimenos_Programmatismos_Hlektronikoi_6.jpg"/>
+          <p:cNvPicPr>
+            <a:picLocks noChangeAspect="1" noChangeArrowheads="1"/>
+          </p:cNvPicPr>
           <p:nvPr/>
-        </p:nvSpPr>
-        <p:spPr>
+        </p:nvPicPr>
+        <p:blipFill>
+          <a:blip r:embed="rId2">
+            <a:extLst>
+              <a:ext uri="{28A0092B-C50C-407E-A947-70E740481C1C}">
+                <a14:useLocalDpi xmlns:a14="http://schemas.microsoft.com/office/drawing/2010/main" val="0"/>
+              </a:ext>
+            </a:extLst>
+          </a:blip>
+          <a:srcRect/>
+          <a:stretch>
+            <a:fillRect/>
+          </a:stretch>
+        </p:blipFill>
+        <p:spPr bwMode="auto">
           <a:xfrm>
-            <a:off x="646111" y="1161766"/>
-            <a:ext cx="4759636" cy="369332"/>
+            <a:off x="646111" y="1503489"/>
+            <a:ext cx="6052640" cy="5134475"/>
           </a:xfrm>
           <a:prstGeom prst="rect">
             <a:avLst/>
           </a:prstGeom>
           <a:noFill/>
+          <a:extLst>
+            <a:ext uri="{909E8E84-426E-40DD-AFC4-6F175D3DCCD1}">
+              <a14:hiddenFill xmlns:a14="http://schemas.microsoft.com/office/drawing/2010/main">
+                <a:solidFill>
+                  <a:srgbClr val="FFFFFF"/>
+                </a:solidFill>
+              </a14:hiddenFill>
+            </a:ext>
+          </a:extLst>
+        </p:spPr>
+      </p:pic>
+      <p:sp>
+        <p:nvSpPr>
+          <p:cNvPr id="3" name="TextBox 2"/>
+          <p:cNvSpPr txBox="1"/>
+          <p:nvPr/>
+        </p:nvSpPr>
+        <p:spPr>
+          <a:xfrm>
+            <a:off x="842481" y="1093852"/>
+            <a:ext cx="1816523" cy="369332"/>
+          </a:xfrm>
+          <a:prstGeom prst="rect">
+            <a:avLst/>
+          </a:prstGeom>
+          <a:noFill/>
         </p:spPr>
         <p:txBody>
           <a:bodyPr wrap="none" rtlCol="0">
@@ -26203,40 +25936,168 @@
           <a:p>
             <a:r>
               <a:rPr lang="ru-RU" dirty="0" smtClean="0"/>
-              <a:t>Пояснения к символам и строкам в Си</a:t>
+              <a:t>Таблица </a:t>
+            </a:r>
+            <a:r>
+              <a:rPr lang="en-US" dirty="0" smtClean="0"/>
+              <a:t>ASCII</a:t>
             </a:r>
             <a:endParaRPr lang="ru-RU" dirty="0"/>
           </a:p>
         </p:txBody>
       </p:sp>
-      <p:pic>
-        <p:nvPicPr>
-          <p:cNvPr id="5" name="Picture 4"/>
-          <p:cNvPicPr>
-            <a:picLocks noChangeAspect="1"/>
-          </p:cNvPicPr>
+      <p:sp>
+        <p:nvSpPr>
+          <p:cNvPr id="7" name="TextBox 6"/>
+          <p:cNvSpPr txBox="1"/>
           <p:nvPr/>
-        </p:nvPicPr>
-        <p:blipFill>
-          <a:blip r:embed="rId2"/>
-          <a:stretch>
-            <a:fillRect/>
-          </a:stretch>
-        </p:blipFill>
+        </p:nvSpPr>
         <p:spPr>
           <a:xfrm>
-            <a:off x="646111" y="1639316"/>
-            <a:ext cx="8885515" cy="3746458"/>
+            <a:off x="6770670" y="1670069"/>
+            <a:ext cx="5501827" cy="4801314"/>
           </a:xfrm>
           <a:prstGeom prst="rect">
             <a:avLst/>
           </a:prstGeom>
-        </p:spPr>
-      </p:pic>
+          <a:noFill/>
+        </p:spPr>
+        <p:txBody>
+          <a:bodyPr wrap="none" rtlCol="0">
+            <a:spAutoFit/>
+          </a:bodyPr>
+          <a:lstStyle/>
+          <a:p>
+            <a:r>
+              <a:rPr lang="ru-RU" dirty="0" smtClean="0"/>
+              <a:t>Обратите внимание, что в </a:t>
+            </a:r>
+            <a:r>
+              <a:rPr lang="en-US" dirty="0" smtClean="0"/>
+              <a:t>char </a:t>
+            </a:r>
+            <a:r>
+              <a:rPr lang="ru-RU" dirty="0" smtClean="0"/>
+              <a:t>у нас</a:t>
+            </a:r>
+          </a:p>
+          <a:p>
+            <a:r>
+              <a:rPr lang="ru-RU" dirty="0" smtClean="0"/>
+              <a:t>Помещается 255 вариантов символов,</a:t>
+            </a:r>
+          </a:p>
+          <a:p>
+            <a:r>
+              <a:rPr lang="ru-RU" dirty="0" smtClean="0"/>
+              <a:t>а таблица заполнена лишь до 127.</a:t>
+            </a:r>
+          </a:p>
+          <a:p>
+            <a:endParaRPr lang="ru-RU" dirty="0"/>
+          </a:p>
+          <a:p>
+            <a:r>
+              <a:rPr lang="ru-RU" dirty="0" smtClean="0"/>
+              <a:t>Кодировка </a:t>
+            </a:r>
+            <a:r>
+              <a:rPr lang="en-US" dirty="0" smtClean="0"/>
+              <a:t>ASCII</a:t>
+            </a:r>
+            <a:r>
+              <a:rPr lang="ru-RU" dirty="0" smtClean="0"/>
+              <a:t> не подразумвает иных</a:t>
+            </a:r>
+            <a:br>
+              <a:rPr lang="ru-RU" dirty="0" smtClean="0"/>
+            </a:br>
+            <a:r>
+              <a:rPr lang="ru-RU" dirty="0" smtClean="0"/>
+              <a:t>символов, но все прочие кодировки,</a:t>
+            </a:r>
+          </a:p>
+          <a:p>
+            <a:r>
+              <a:rPr lang="ru-RU" dirty="0" smtClean="0"/>
+              <a:t>как правило используют </a:t>
+            </a:r>
+            <a:r>
+              <a:rPr lang="en-US" dirty="0" smtClean="0"/>
+              <a:t>ASCII</a:t>
+            </a:r>
+            <a:r>
+              <a:rPr lang="ru-RU" dirty="0" smtClean="0"/>
+              <a:t> и расширяют</a:t>
+            </a:r>
+            <a:br>
+              <a:rPr lang="ru-RU" dirty="0" smtClean="0"/>
+            </a:br>
+            <a:r>
+              <a:rPr lang="ru-RU" dirty="0" smtClean="0"/>
+              <a:t>её своими символами с номерами от</a:t>
+            </a:r>
+          </a:p>
+          <a:p>
+            <a:r>
+              <a:rPr lang="ru-RU" dirty="0" smtClean="0"/>
+              <a:t>128 до 255</a:t>
+            </a:r>
+          </a:p>
+          <a:p>
+            <a:endParaRPr lang="ru-RU" dirty="0"/>
+          </a:p>
+          <a:p>
+            <a:r>
+              <a:rPr lang="ru-RU" dirty="0" smtClean="0"/>
+              <a:t>Стандарт языка си ничего не упоминает</a:t>
+            </a:r>
+            <a:br>
+              <a:rPr lang="ru-RU" dirty="0" smtClean="0"/>
+            </a:br>
+            <a:r>
+              <a:rPr lang="ru-RU" dirty="0" smtClean="0"/>
+              <a:t>о кодировках в которых он принимает </a:t>
+            </a:r>
+          </a:p>
+          <a:p>
+            <a:r>
+              <a:rPr lang="ru-RU" dirty="0" smtClean="0"/>
+              <a:t>символьные литералы, поэтому</a:t>
+            </a:r>
+          </a:p>
+          <a:p>
+            <a:r>
+              <a:rPr lang="ru-RU" dirty="0" smtClean="0"/>
+              <a:t>Во избежание проблем лучше использовать</a:t>
+            </a:r>
+          </a:p>
+          <a:p>
+            <a:r>
+              <a:rPr lang="ru-RU" dirty="0" smtClean="0"/>
+              <a:t>только английские.</a:t>
+            </a:r>
+          </a:p>
+          <a:p>
+            <a:endParaRPr lang="ru-RU" dirty="0"/>
+          </a:p>
+          <a:p>
+            <a:r>
+              <a:rPr lang="ru-RU" dirty="0" smtClean="0"/>
+              <a:t>(наш компилятор работает в кодировке </a:t>
+            </a:r>
+            <a:r>
+              <a:rPr lang="en-US" dirty="0" smtClean="0"/>
+              <a:t>utf-8)</a:t>
+            </a:r>
+            <a:endParaRPr lang="ru-RU" dirty="0"/>
+          </a:p>
+        </p:txBody>
+      </p:sp>
     </p:spTree>
     <p:extLst>
       <p:ext uri="{BB962C8B-B14F-4D97-AF65-F5344CB8AC3E}">
-        <p14:creationId xmlns:p14="http://schemas.microsoft.com/office/powerpoint/2010/main" val="3842959924"/>
+        <p14:creationId xmlns:p14="http://schemas.microsoft.com/office/powerpoint/2010/main" val="1922424230"/>
       </p:ext>
     </p:extLst>
   </p:cSld>
@@ -26277,13 +26138,13 @@
             <a:spLocks noGrp="1"/>
           </p:cNvSpPr>
           <p:nvPr>
-            <p:ph type="title"/>
+            <p:ph type="ctrTitle"/>
           </p:nvPr>
         </p:nvSpPr>
         <p:spPr>
           <a:xfrm>
-            <a:off x="646111" y="452718"/>
-            <a:ext cx="9404723" cy="600830"/>
+            <a:off x="1154955" y="3776870"/>
+            <a:ext cx="8825658" cy="1000511"/>
           </a:xfrm>
         </p:spPr>
         <p:txBody>
@@ -26291,231 +26152,31 @@
           <a:lstStyle/>
           <a:p>
             <a:r>
-              <a:rPr lang="ru-RU" sz="3200" dirty="0" smtClean="0"/>
-              <a:t>Работа над ошибками</a:t>
-            </a:r>
-            <a:endParaRPr lang="ru-RU" sz="3200" dirty="0"/>
-          </a:p>
-        </p:txBody>
-      </p:sp>
-      <p:pic>
-        <p:nvPicPr>
-          <p:cNvPr id="1026" name="Picture 2" descr="http://liomas.gr/external/eclass-images/Domimenos_Programmatismos_Hlektronikoi_6.jpg"/>
-          <p:cNvPicPr>
-            <a:picLocks noChangeAspect="1" noChangeArrowheads="1"/>
-          </p:cNvPicPr>
-          <p:nvPr/>
-        </p:nvPicPr>
-        <p:blipFill>
-          <a:blip r:embed="rId2">
-            <a:extLst>
-              <a:ext uri="{28A0092B-C50C-407E-A947-70E740481C1C}">
-                <a14:useLocalDpi xmlns:a14="http://schemas.microsoft.com/office/drawing/2010/main" val="0"/>
-              </a:ext>
-            </a:extLst>
-          </a:blip>
-          <a:srcRect/>
-          <a:stretch>
-            <a:fillRect/>
-          </a:stretch>
-        </p:blipFill>
-        <p:spPr bwMode="auto">
-          <a:xfrm>
-            <a:off x="646111" y="1503489"/>
-            <a:ext cx="6052640" cy="5134475"/>
-          </a:xfrm>
-          <a:prstGeom prst="rect">
-            <a:avLst/>
-          </a:prstGeom>
-          <a:noFill/>
-          <a:extLst>
-            <a:ext uri="{909E8E84-426E-40DD-AFC4-6F175D3DCCD1}">
-              <a14:hiddenFill xmlns:a14="http://schemas.microsoft.com/office/drawing/2010/main">
-                <a:solidFill>
-                  <a:srgbClr val="FFFFFF"/>
-                </a:solidFill>
-              </a14:hiddenFill>
-            </a:ext>
-          </a:extLst>
-        </p:spPr>
-      </p:pic>
-      <p:sp>
-        <p:nvSpPr>
-          <p:cNvPr id="3" name="TextBox 2"/>
-          <p:cNvSpPr txBox="1"/>
-          <p:nvPr/>
-        </p:nvSpPr>
-        <p:spPr>
-          <a:xfrm>
-            <a:off x="842481" y="1093852"/>
-            <a:ext cx="1816523" cy="369332"/>
-          </a:xfrm>
-          <a:prstGeom prst="rect">
-            <a:avLst/>
-          </a:prstGeom>
-          <a:noFill/>
-        </p:spPr>
-        <p:txBody>
-          <a:bodyPr wrap="none" rtlCol="0">
-            <a:spAutoFit/>
-          </a:bodyPr>
+              <a:rPr lang="ru-RU" sz="4000" dirty="0" smtClean="0"/>
+              <a:t>Программирование на языке С	</a:t>
+            </a:r>
+            <a:endParaRPr lang="ru-RU" sz="4000" dirty="0"/>
+          </a:p>
+        </p:txBody>
+      </p:sp>
+      <p:sp>
+        <p:nvSpPr>
+          <p:cNvPr id="3" name="Subtitle 2"/>
+          <p:cNvSpPr>
+            <a:spLocks noGrp="1"/>
+          </p:cNvSpPr>
+          <p:nvPr>
+            <p:ph type="subTitle" idx="1"/>
+          </p:nvPr>
+        </p:nvSpPr>
+        <p:spPr/>
+        <p:txBody>
+          <a:bodyPr/>
           <a:lstStyle/>
           <a:p>
             <a:r>
               <a:rPr lang="ru-RU" dirty="0" smtClean="0"/>
-              <a:t>Таблица </a:t>
-            </a:r>
-            <a:r>
-              <a:rPr lang="en-US" dirty="0" smtClean="0"/>
-              <a:t>ASCII</a:t>
-            </a:r>
-            <a:endParaRPr lang="ru-RU" dirty="0"/>
-          </a:p>
-        </p:txBody>
-      </p:sp>
-      <p:sp>
-        <p:nvSpPr>
-          <p:cNvPr id="7" name="TextBox 6"/>
-          <p:cNvSpPr txBox="1"/>
-          <p:nvPr/>
-        </p:nvSpPr>
-        <p:spPr>
-          <a:xfrm>
-            <a:off x="6770670" y="1670069"/>
-            <a:ext cx="5501827" cy="4801314"/>
-          </a:xfrm>
-          <a:prstGeom prst="rect">
-            <a:avLst/>
-          </a:prstGeom>
-          <a:noFill/>
-        </p:spPr>
-        <p:txBody>
-          <a:bodyPr wrap="none" rtlCol="0">
-            <a:spAutoFit/>
-          </a:bodyPr>
-          <a:lstStyle/>
-          <a:p>
-            <a:r>
-              <a:rPr lang="ru-RU" dirty="0" smtClean="0"/>
-              <a:t>Обратите внимание, что в </a:t>
-            </a:r>
-            <a:r>
-              <a:rPr lang="en-US" dirty="0" smtClean="0"/>
-              <a:t>char </a:t>
-            </a:r>
-            <a:r>
-              <a:rPr lang="ru-RU" dirty="0" smtClean="0"/>
-              <a:t>у нас</a:t>
-            </a:r>
-          </a:p>
-          <a:p>
-            <a:r>
-              <a:rPr lang="ru-RU" dirty="0" smtClean="0"/>
-              <a:t>Помещается 255 вариантов символов,</a:t>
-            </a:r>
-          </a:p>
-          <a:p>
-            <a:r>
-              <a:rPr lang="ru-RU" dirty="0" smtClean="0"/>
-              <a:t>а таблица заполнена лишь до 127.</a:t>
-            </a:r>
-          </a:p>
-          <a:p>
-            <a:endParaRPr lang="ru-RU" dirty="0"/>
-          </a:p>
-          <a:p>
-            <a:r>
-              <a:rPr lang="ru-RU" dirty="0" smtClean="0"/>
-              <a:t>Кодировка </a:t>
-            </a:r>
-            <a:r>
-              <a:rPr lang="en-US" dirty="0" smtClean="0"/>
-              <a:t>ASCII</a:t>
-            </a:r>
-            <a:r>
-              <a:rPr lang="ru-RU" dirty="0" smtClean="0"/>
-              <a:t> не подразумвает иных</a:t>
-            </a:r>
-            <a:br>
-              <a:rPr lang="ru-RU" dirty="0" smtClean="0"/>
-            </a:br>
-            <a:r>
-              <a:rPr lang="ru-RU" dirty="0" smtClean="0"/>
-              <a:t>символов, но все прочие кодировки,</a:t>
-            </a:r>
-          </a:p>
-          <a:p>
-            <a:r>
-              <a:rPr lang="ru-RU" dirty="0" smtClean="0"/>
-              <a:t>как правило используют </a:t>
-            </a:r>
-            <a:r>
-              <a:rPr lang="en-US" dirty="0" smtClean="0"/>
-              <a:t>ASCII</a:t>
-            </a:r>
-            <a:r>
-              <a:rPr lang="ru-RU" dirty="0" smtClean="0"/>
-              <a:t> и расширяют</a:t>
-            </a:r>
-            <a:br>
-              <a:rPr lang="ru-RU" dirty="0" smtClean="0"/>
-            </a:br>
-            <a:r>
-              <a:rPr lang="ru-RU" dirty="0" smtClean="0"/>
-              <a:t>её своими символами с номерами от</a:t>
-            </a:r>
-          </a:p>
-          <a:p>
-            <a:r>
-              <a:rPr lang="ru-RU" dirty="0" smtClean="0"/>
-              <a:t>128 до 255</a:t>
-            </a:r>
-          </a:p>
-          <a:p>
-            <a:endParaRPr lang="ru-RU" dirty="0"/>
-          </a:p>
-          <a:p>
-            <a:r>
-              <a:rPr lang="ru-RU" dirty="0" smtClean="0"/>
-              <a:t>Стандарт языка си ничего не упоминает</a:t>
-            </a:r>
-            <a:br>
-              <a:rPr lang="ru-RU" dirty="0" smtClean="0"/>
-            </a:br>
-            <a:r>
-              <a:rPr lang="ru-RU" dirty="0" smtClean="0"/>
-              <a:t>о кодировках в которых он принимает </a:t>
-            </a:r>
-          </a:p>
-          <a:p>
-            <a:r>
-              <a:rPr lang="ru-RU" dirty="0" smtClean="0"/>
-              <a:t>символьные литералы, поэтому</a:t>
-            </a:r>
-          </a:p>
-          <a:p>
-            <a:r>
-              <a:rPr lang="ru-RU" dirty="0" smtClean="0"/>
-              <a:t>Во избежание проблем лучше использовать</a:t>
-            </a:r>
-          </a:p>
-          <a:p>
-            <a:r>
-              <a:rPr lang="ru-RU" dirty="0" smtClean="0"/>
-              <a:t>только английские.</a:t>
-            </a:r>
-          </a:p>
-          <a:p>
-            <a:endParaRPr lang="ru-RU" dirty="0"/>
-          </a:p>
-          <a:p>
-            <a:r>
-              <a:rPr lang="ru-RU" dirty="0" smtClean="0"/>
-              <a:t>(наш компилятор работает в кодировке </a:t>
-            </a:r>
-            <a:r>
-              <a:rPr lang="en-US" dirty="0" smtClean="0"/>
-              <a:t>utf-8)</a:t>
+              <a:t>Лекция 2</a:t>
             </a:r>
             <a:endParaRPr lang="ru-RU" dirty="0"/>
           </a:p>
@@ -26524,7 +26185,7 @@
     </p:spTree>
     <p:extLst>
       <p:ext uri="{BB962C8B-B14F-4D97-AF65-F5344CB8AC3E}">
-        <p14:creationId xmlns:p14="http://schemas.microsoft.com/office/powerpoint/2010/main" val="1922424230"/>
+        <p14:creationId xmlns:p14="http://schemas.microsoft.com/office/powerpoint/2010/main" val="4029397885"/>
       </p:ext>
     </p:extLst>
   </p:cSld>
@@ -26565,13 +26226,13 @@
             <a:spLocks noGrp="1"/>
           </p:cNvSpPr>
           <p:nvPr>
-            <p:ph type="ctrTitle"/>
+            <p:ph type="title"/>
           </p:nvPr>
         </p:nvSpPr>
         <p:spPr>
           <a:xfrm>
-            <a:off x="1154955" y="3776870"/>
-            <a:ext cx="8825658" cy="1000511"/>
+            <a:off x="646111" y="452718"/>
+            <a:ext cx="9404723" cy="600830"/>
           </a:xfrm>
         </p:spPr>
         <p:txBody>
@@ -26579,31 +26240,118 @@
           <a:lstStyle/>
           <a:p>
             <a:r>
-              <a:rPr lang="ru-RU" sz="4000" dirty="0" smtClean="0"/>
-              <a:t>Программирование на языке С	</a:t>
-            </a:r>
-            <a:endParaRPr lang="ru-RU" sz="4000" dirty="0"/>
-          </a:p>
-        </p:txBody>
-      </p:sp>
-      <p:sp>
-        <p:nvSpPr>
-          <p:cNvPr id="3" name="Subtitle 2"/>
-          <p:cNvSpPr>
-            <a:spLocks noGrp="1"/>
-          </p:cNvSpPr>
-          <p:nvPr>
-            <p:ph type="subTitle" idx="1"/>
-          </p:nvPr>
-        </p:nvSpPr>
-        <p:spPr/>
-        <p:txBody>
-          <a:bodyPr/>
+              <a:rPr lang="ru-RU" sz="3200" dirty="0"/>
+              <a:t>Типы литералов и целочисленное </a:t>
+            </a:r>
+            <a:r>
+              <a:rPr lang="ru-RU" sz="3200" dirty="0" smtClean="0"/>
+              <a:t>деление</a:t>
+            </a:r>
+            <a:endParaRPr lang="ru-RU" sz="3200" dirty="0"/>
+          </a:p>
+        </p:txBody>
+      </p:sp>
+      <p:pic>
+        <p:nvPicPr>
+          <p:cNvPr id="6" name="Picture 5"/>
+          <p:cNvPicPr>
+            <a:picLocks noChangeAspect="1"/>
+          </p:cNvPicPr>
+          <p:nvPr/>
+        </p:nvPicPr>
+        <p:blipFill>
+          <a:blip r:embed="rId2"/>
+          <a:stretch>
+            <a:fillRect/>
+          </a:stretch>
+        </p:blipFill>
+        <p:spPr>
+          <a:xfrm>
+            <a:off x="236262" y="1157079"/>
+            <a:ext cx="7318432" cy="4011269"/>
+          </a:xfrm>
+          <a:prstGeom prst="rect">
+            <a:avLst/>
+          </a:prstGeom>
+        </p:spPr>
+      </p:pic>
+      <p:pic>
+        <p:nvPicPr>
+          <p:cNvPr id="7" name="Picture 6"/>
+          <p:cNvPicPr>
+            <a:picLocks noChangeAspect="1"/>
+          </p:cNvPicPr>
+          <p:nvPr/>
+        </p:nvPicPr>
+        <p:blipFill>
+          <a:blip r:embed="rId3"/>
+          <a:stretch>
+            <a:fillRect/>
+          </a:stretch>
+        </p:blipFill>
+        <p:spPr>
+          <a:xfrm>
+            <a:off x="7820435" y="1157079"/>
+            <a:ext cx="3891999" cy="3891999"/>
+          </a:xfrm>
+          <a:prstGeom prst="rect">
+            <a:avLst/>
+          </a:prstGeom>
+        </p:spPr>
+      </p:pic>
+      <p:pic>
+        <p:nvPicPr>
+          <p:cNvPr id="3" name="Picture 2"/>
+          <p:cNvPicPr>
+            <a:picLocks noChangeAspect="1"/>
+          </p:cNvPicPr>
+          <p:nvPr/>
+        </p:nvPicPr>
+        <p:blipFill>
+          <a:blip r:embed="rId4"/>
+          <a:stretch>
+            <a:fillRect/>
+          </a:stretch>
+        </p:blipFill>
+        <p:spPr>
+          <a:xfrm>
+            <a:off x="236261" y="5469213"/>
+            <a:ext cx="3976797" cy="971344"/>
+          </a:xfrm>
+          <a:prstGeom prst="rect">
+            <a:avLst/>
+          </a:prstGeom>
+        </p:spPr>
+      </p:pic>
+      <p:sp>
+        <p:nvSpPr>
+          <p:cNvPr id="4" name="TextBox 3"/>
+          <p:cNvSpPr txBox="1"/>
+          <p:nvPr/>
+        </p:nvSpPr>
+        <p:spPr>
+          <a:xfrm>
+            <a:off x="4701209" y="5770219"/>
+            <a:ext cx="2861681" cy="369332"/>
+          </a:xfrm>
+          <a:prstGeom prst="rect">
+            <a:avLst/>
+          </a:prstGeom>
+          <a:noFill/>
+        </p:spPr>
+        <p:txBody>
+          <a:bodyPr wrap="none" rtlCol="0">
+            <a:spAutoFit/>
+          </a:bodyPr>
           <a:lstStyle/>
           <a:p>
             <a:r>
+              <a:rPr lang="en-US" dirty="0" smtClean="0"/>
+              <a:t>&lt;- </a:t>
+            </a:r>
+            <a:r>
               <a:rPr lang="ru-RU" dirty="0" smtClean="0"/>
-              <a:t>Лекция 2</a:t>
+              <a:t>строковые литералы</a:t>
             </a:r>
             <a:endParaRPr lang="ru-RU" dirty="0"/>
           </a:p>
@@ -26612,7 +26360,7 @@
     </p:spTree>
     <p:extLst>
       <p:ext uri="{BB962C8B-B14F-4D97-AF65-F5344CB8AC3E}">
-        <p14:creationId xmlns:p14="http://schemas.microsoft.com/office/powerpoint/2010/main" val="4029397885"/>
+        <p14:creationId xmlns:p14="http://schemas.microsoft.com/office/powerpoint/2010/main" val="181386863"/>
       </p:ext>
     </p:extLst>
   </p:cSld>
